--- a/modules/MgmntCWH/READING_Sassetal_2006.pptx
+++ b/modules/MgmntCWH/READING_Sassetal_2006.pptx
@@ -5,16 +5,17 @@
     <p:sldMasterId id="2147483660" r:id="rId1"/>
   </p:sldMasterIdLst>
   <p:notesMasterIdLst>
-    <p:notesMasterId r:id="rId9"/>
+    <p:notesMasterId r:id="rId10"/>
   </p:notesMasterIdLst>
   <p:sldIdLst>
     <p:sldId id="256" r:id="rId2"/>
     <p:sldId id="287" r:id="rId3"/>
     <p:sldId id="288" r:id="rId4"/>
-    <p:sldId id="278" r:id="rId5"/>
-    <p:sldId id="286" r:id="rId6"/>
-    <p:sldId id="289" r:id="rId7"/>
-    <p:sldId id="274" r:id="rId8"/>
+    <p:sldId id="290" r:id="rId5"/>
+    <p:sldId id="278" r:id="rId6"/>
+    <p:sldId id="286" r:id="rId7"/>
+    <p:sldId id="289" r:id="rId8"/>
+    <p:sldId id="274" r:id="rId9"/>
   </p:sldIdLst>
   <p:sldSz cx="9144000" cy="6858000" type="screen4x3"/>
   <p:notesSz cx="6858000" cy="9144000"/>
@@ -214,7 +215,7 @@
           <a:p>
             <a:fld id="{EF599A65-391F-4EB8-9242-B59EE92B5FB9}" type="datetimeFigureOut">
               <a:rPr lang="en-US" smtClean="0"/>
-              <a:t>4/2/2016</a:t>
+              <a:t>4/3/2018</a:t>
             </a:fld>
             <a:endParaRPr lang="en-US"/>
           </a:p>
@@ -547,7 +548,7 @@
           <a:p>
             <a:fld id="{AB001441-15D1-49BC-B776-4326A0934CB6}" type="slidenum">
               <a:rPr lang="en-US" smtClean="0"/>
-              <a:t>4</a:t>
+              <a:t>5</a:t>
             </a:fld>
             <a:endParaRPr lang="en-US"/>
           </a:p>
@@ -631,7 +632,7 @@
           <a:p>
             <a:fld id="{AB001441-15D1-49BC-B776-4326A0934CB6}" type="slidenum">
               <a:rPr lang="en-US" smtClean="0"/>
-              <a:t>5</a:t>
+              <a:t>6</a:t>
             </a:fld>
             <a:endParaRPr lang="en-US"/>
           </a:p>
@@ -715,7 +716,7 @@
           <a:p>
             <a:fld id="{AB001441-15D1-49BC-B776-4326A0934CB6}" type="slidenum">
               <a:rPr lang="en-US" smtClean="0"/>
-              <a:t>6</a:t>
+              <a:t>7</a:t>
             </a:fld>
             <a:endParaRPr lang="en-US"/>
           </a:p>
@@ -865,7 +866,7 @@
           <a:p>
             <a:fld id="{07A46C8F-DB9C-4B91-A1F1-A860256637FA}" type="datetimeFigureOut">
               <a:rPr lang="en-US" smtClean="0"/>
-              <a:t>4/2/2016</a:t>
+              <a:t>4/3/2018</a:t>
             </a:fld>
             <a:endParaRPr lang="en-US"/>
           </a:p>
@@ -1035,7 +1036,7 @@
           <a:p>
             <a:fld id="{07A46C8F-DB9C-4B91-A1F1-A860256637FA}" type="datetimeFigureOut">
               <a:rPr lang="en-US" smtClean="0"/>
-              <a:t>4/2/2016</a:t>
+              <a:t>4/3/2018</a:t>
             </a:fld>
             <a:endParaRPr lang="en-US"/>
           </a:p>
@@ -1215,7 +1216,7 @@
           <a:p>
             <a:fld id="{07A46C8F-DB9C-4B91-A1F1-A860256637FA}" type="datetimeFigureOut">
               <a:rPr lang="en-US" smtClean="0"/>
-              <a:t>4/2/2016</a:t>
+              <a:t>4/3/2018</a:t>
             </a:fld>
             <a:endParaRPr lang="en-US"/>
           </a:p>
@@ -1385,7 +1386,7 @@
           <a:p>
             <a:fld id="{07A46C8F-DB9C-4B91-A1F1-A860256637FA}" type="datetimeFigureOut">
               <a:rPr lang="en-US" smtClean="0"/>
-              <a:t>4/2/2016</a:t>
+              <a:t>4/3/2018</a:t>
             </a:fld>
             <a:endParaRPr lang="en-US"/>
           </a:p>
@@ -1629,7 +1630,7 @@
           <a:p>
             <a:fld id="{07A46C8F-DB9C-4B91-A1F1-A860256637FA}" type="datetimeFigureOut">
               <a:rPr lang="en-US" smtClean="0"/>
-              <a:t>4/2/2016</a:t>
+              <a:t>4/3/2018</a:t>
             </a:fld>
             <a:endParaRPr lang="en-US"/>
           </a:p>
@@ -1861,7 +1862,7 @@
           <a:p>
             <a:fld id="{07A46C8F-DB9C-4B91-A1F1-A860256637FA}" type="datetimeFigureOut">
               <a:rPr lang="en-US" smtClean="0"/>
-              <a:t>4/2/2016</a:t>
+              <a:t>4/3/2018</a:t>
             </a:fld>
             <a:endParaRPr lang="en-US"/>
           </a:p>
@@ -2228,7 +2229,7 @@
           <a:p>
             <a:fld id="{07A46C8F-DB9C-4B91-A1F1-A860256637FA}" type="datetimeFigureOut">
               <a:rPr lang="en-US" smtClean="0"/>
-              <a:t>4/2/2016</a:t>
+              <a:t>4/3/2018</a:t>
             </a:fld>
             <a:endParaRPr lang="en-US"/>
           </a:p>
@@ -2346,7 +2347,7 @@
           <a:p>
             <a:fld id="{07A46C8F-DB9C-4B91-A1F1-A860256637FA}" type="datetimeFigureOut">
               <a:rPr lang="en-US" smtClean="0"/>
-              <a:t>4/2/2016</a:t>
+              <a:t>4/3/2018</a:t>
             </a:fld>
             <a:endParaRPr lang="en-US"/>
           </a:p>
@@ -2441,7 +2442,7 @@
           <a:p>
             <a:fld id="{07A46C8F-DB9C-4B91-A1F1-A860256637FA}" type="datetimeFigureOut">
               <a:rPr lang="en-US" smtClean="0"/>
-              <a:t>4/2/2016</a:t>
+              <a:t>4/3/2018</a:t>
             </a:fld>
             <a:endParaRPr lang="en-US"/>
           </a:p>
@@ -2718,7 +2719,7 @@
           <a:p>
             <a:fld id="{07A46C8F-DB9C-4B91-A1F1-A860256637FA}" type="datetimeFigureOut">
               <a:rPr lang="en-US" smtClean="0"/>
-              <a:t>4/2/2016</a:t>
+              <a:t>4/3/2018</a:t>
             </a:fld>
             <a:endParaRPr lang="en-US"/>
           </a:p>
@@ -2975,7 +2976,7 @@
           <a:p>
             <a:fld id="{07A46C8F-DB9C-4B91-A1F1-A860256637FA}" type="datetimeFigureOut">
               <a:rPr lang="en-US" smtClean="0"/>
-              <a:t>4/2/2016</a:t>
+              <a:t>4/3/2018</a:t>
             </a:fld>
             <a:endParaRPr lang="en-US"/>
           </a:p>
@@ -3188,7 +3189,7 @@
           <a:p>
             <a:fld id="{07A46C8F-DB9C-4B91-A1F1-A860256637FA}" type="datetimeFigureOut">
               <a:rPr lang="en-US" smtClean="0"/>
-              <a:t>4/2/2016</a:t>
+              <a:t>4/3/2018</a:t>
             </a:fld>
             <a:endParaRPr lang="en-US"/>
           </a:p>
@@ -4244,7 +4245,7 @@
         <p:spPr>
           <a:xfrm>
             <a:off x="628650" y="983412"/>
-            <a:ext cx="7886700" cy="5193552"/>
+            <a:ext cx="7886700" cy="733421"/>
           </a:xfrm>
         </p:spPr>
         <p:txBody>
@@ -4274,8 +4275,8 @@
         </p:blipFill>
         <p:spPr>
           <a:xfrm>
-            <a:off x="120974" y="1807654"/>
-            <a:ext cx="4827464" cy="3657600"/>
+            <a:off x="1442814" y="1716833"/>
+            <a:ext cx="6396395" cy="4846320"/>
           </a:xfrm>
           <a:prstGeom prst="rect">
             <a:avLst/>
@@ -4298,8 +4299,218 @@
         </p:blipFill>
         <p:spPr>
           <a:xfrm>
-            <a:off x="134494" y="1802511"/>
-            <a:ext cx="4806735" cy="3657600"/>
+            <a:off x="1454553" y="1716833"/>
+            <a:ext cx="6372916" cy="4846320"/>
+          </a:xfrm>
+          <a:prstGeom prst="rect">
+            <a:avLst/>
+          </a:prstGeom>
+        </p:spPr>
+      </p:pic>
+    </p:spTree>
+    <p:extLst>
+      <p:ext uri="{BB962C8B-B14F-4D97-AF65-F5344CB8AC3E}">
+        <p14:creationId xmlns:p14="http://schemas.microsoft.com/office/powerpoint/2010/main" val="4195762390"/>
+      </p:ext>
+    </p:extLst>
+  </p:cSld>
+  <p:clrMapOvr>
+    <a:masterClrMapping/>
+  </p:clrMapOvr>
+  <p:timing>
+    <p:tnLst>
+      <p:par>
+        <p:cTn id="1" dur="indefinite" restart="never" nodeType="tmRoot">
+          <p:childTnLst>
+            <p:seq concurrent="1" nextAc="seek">
+              <p:cTn id="2" dur="indefinite" nodeType="mainSeq">
+                <p:childTnLst>
+                  <p:par>
+                    <p:cTn id="3" fill="hold">
+                      <p:stCondLst>
+                        <p:cond delay="indefinite"/>
+                      </p:stCondLst>
+                      <p:childTnLst>
+                        <p:par>
+                          <p:cTn id="4" fill="hold">
+                            <p:stCondLst>
+                              <p:cond delay="0"/>
+                            </p:stCondLst>
+                            <p:childTnLst>
+                              <p:par>
+                                <p:cTn id="5" presetID="1" presetClass="entr" presetSubtype="0" fill="hold" nodeType="clickEffect">
+                                  <p:stCondLst>
+                                    <p:cond delay="0"/>
+                                  </p:stCondLst>
+                                  <p:childTnLst>
+                                    <p:set>
+                                      <p:cBhvr>
+                                        <p:cTn id="6" dur="1" fill="hold">
+                                          <p:stCondLst>
+                                            <p:cond delay="0"/>
+                                          </p:stCondLst>
+                                        </p:cTn>
+                                        <p:tgtEl>
+                                          <p:spTgt spid="5"/>
+                                        </p:tgtEl>
+                                        <p:attrNameLst>
+                                          <p:attrName>style.visibility</p:attrName>
+                                        </p:attrNameLst>
+                                      </p:cBhvr>
+                                      <p:to>
+                                        <p:strVal val="visible"/>
+                                      </p:to>
+                                    </p:set>
+                                  </p:childTnLst>
+                                </p:cTn>
+                              </p:par>
+                            </p:childTnLst>
+                          </p:cTn>
+                        </p:par>
+                      </p:childTnLst>
+                    </p:cTn>
+                  </p:par>
+                </p:childTnLst>
+              </p:cTn>
+              <p:prevCondLst>
+                <p:cond evt="onPrev" delay="0">
+                  <p:tgtEl>
+                    <p:sldTgt/>
+                  </p:tgtEl>
+                </p:cond>
+              </p:prevCondLst>
+              <p:nextCondLst>
+                <p:cond evt="onNext" delay="0">
+                  <p:tgtEl>
+                    <p:sldTgt/>
+                  </p:tgtEl>
+                </p:cond>
+              </p:nextCondLst>
+            </p:seq>
+          </p:childTnLst>
+        </p:cTn>
+      </p:par>
+    </p:tnLst>
+  </p:timing>
+</p:sld>
+</file>
+
+<file path=ppt/slides/slide4.xml><?xml version="1.0" encoding="utf-8"?>
+<p:sld xmlns:a="http://schemas.openxmlformats.org/drawingml/2006/main" xmlns:r="http://schemas.openxmlformats.org/officeDocument/2006/relationships" xmlns:p="http://schemas.openxmlformats.org/presentationml/2006/main" show="0">
+  <p:cSld>
+    <p:spTree>
+      <p:nvGrpSpPr>
+        <p:cNvPr id="1" name=""/>
+        <p:cNvGrpSpPr/>
+        <p:nvPr/>
+      </p:nvGrpSpPr>
+      <p:grpSpPr>
+        <a:xfrm>
+          <a:off x="0" y="0"/>
+          <a:ext cx="0" cy="0"/>
+          <a:chOff x="0" y="0"/>
+          <a:chExt cx="0" cy="0"/>
+        </a:xfrm>
+      </p:grpSpPr>
+      <p:sp>
+        <p:nvSpPr>
+          <p:cNvPr id="2" name="Title 1"/>
+          <p:cNvSpPr>
+            <a:spLocks noGrp="1"/>
+          </p:cNvSpPr>
+          <p:nvPr>
+            <p:ph type="title"/>
+          </p:nvPr>
+        </p:nvSpPr>
+        <p:spPr>
+          <a:xfrm>
+            <a:off x="250167" y="106337"/>
+            <a:ext cx="8781690" cy="713176"/>
+          </a:xfrm>
+        </p:spPr>
+        <p:txBody>
+          <a:bodyPr>
+            <a:normAutofit/>
+          </a:bodyPr>
+          <a:lstStyle/>
+          <a:p>
+            <a:r>
+              <a:rPr lang="en-US" dirty="0" smtClean="0"/>
+              <a:t>Methods – Experiment</a:t>
+            </a:r>
+            <a:endParaRPr lang="en-US" dirty="0"/>
+          </a:p>
+        </p:txBody>
+      </p:sp>
+      <p:sp>
+        <p:nvSpPr>
+          <p:cNvPr id="3" name="Content Placeholder 2"/>
+          <p:cNvSpPr>
+            <a:spLocks noGrp="1"/>
+          </p:cNvSpPr>
+          <p:nvPr>
+            <p:ph idx="1"/>
+          </p:nvPr>
+        </p:nvSpPr>
+        <p:spPr>
+          <a:xfrm>
+            <a:off x="628650" y="983412"/>
+            <a:ext cx="7886700" cy="5193552"/>
+          </a:xfrm>
+        </p:spPr>
+        <p:txBody>
+          <a:bodyPr/>
+          <a:lstStyle/>
+          <a:p>
+            <a:r>
+              <a:rPr lang="en-US" dirty="0" smtClean="0"/>
+              <a:t>What did the authors do?</a:t>
+            </a:r>
+          </a:p>
+        </p:txBody>
+      </p:sp>
+      <p:pic>
+        <p:nvPicPr>
+          <p:cNvPr id="4" name="Picture 3"/>
+          <p:cNvPicPr>
+            <a:picLocks noChangeAspect="1"/>
+          </p:cNvPicPr>
+          <p:nvPr/>
+        </p:nvPicPr>
+        <p:blipFill>
+          <a:blip r:embed="rId2"/>
+          <a:stretch>
+            <a:fillRect/>
+          </a:stretch>
+        </p:blipFill>
+        <p:spPr>
+          <a:xfrm>
+            <a:off x="91440" y="1828800"/>
+            <a:ext cx="4827464" cy="3657600"/>
+          </a:xfrm>
+          <a:prstGeom prst="rect">
+            <a:avLst/>
+          </a:prstGeom>
+        </p:spPr>
+      </p:pic>
+      <p:pic>
+        <p:nvPicPr>
+          <p:cNvPr id="5" name="Picture 4"/>
+          <p:cNvPicPr>
+            <a:picLocks/>
+          </p:cNvPicPr>
+          <p:nvPr/>
+        </p:nvPicPr>
+        <p:blipFill>
+          <a:blip r:embed="rId3"/>
+          <a:stretch>
+            <a:fillRect/>
+          </a:stretch>
+        </p:blipFill>
+        <p:spPr>
+          <a:xfrm>
+            <a:off x="91440" y="1828800"/>
+            <a:ext cx="4828032" cy="3657600"/>
           </a:xfrm>
           <a:prstGeom prst="rect">
             <a:avLst/>
@@ -4333,13 +4544,21 @@
     </p:spTree>
     <p:extLst>
       <p:ext uri="{BB962C8B-B14F-4D97-AF65-F5344CB8AC3E}">
-        <p14:creationId xmlns:p14="http://schemas.microsoft.com/office/powerpoint/2010/main" val="4195762390"/>
+        <p14:creationId xmlns:p14="http://schemas.microsoft.com/office/powerpoint/2010/main" val="1902116201"/>
       </p:ext>
     </p:extLst>
   </p:cSld>
   <p:clrMapOvr>
     <a:masterClrMapping/>
   </p:clrMapOvr>
+  <mc:AlternateContent xmlns:mc="http://schemas.openxmlformats.org/markup-compatibility/2006">
+    <mc:Choice xmlns:p14="http://schemas.microsoft.com/office/powerpoint/2010/main" Requires="p14">
+      <p:transition spd="slow" p14:dur="2000"/>
+    </mc:Choice>
+    <mc:Fallback>
+      <p:transition spd="slow"/>
+    </mc:Fallback>
+  </mc:AlternateContent>
   <p:timing>
     <p:tnLst>
       <p:par>
@@ -4508,7 +4727,7 @@
 </p:sld>
 </file>
 
-<file path=ppt/slides/slide4.xml><?xml version="1.0" encoding="utf-8"?>
+<file path=ppt/slides/slide5.xml><?xml version="1.0" encoding="utf-8"?>
 <p:sld xmlns:a="http://schemas.openxmlformats.org/drawingml/2006/main" xmlns:r="http://schemas.openxmlformats.org/officeDocument/2006/relationships" xmlns:p="http://schemas.openxmlformats.org/presentationml/2006/main">
   <p:cSld>
     <p:spTree>
@@ -4649,6 +4868,52 @@
           </a:prstGeom>
         </p:spPr>
       </p:pic>
+      <p:sp>
+        <p:nvSpPr>
+          <p:cNvPr id="6" name="Rectangle 5"/>
+          <p:cNvSpPr/>
+          <p:nvPr/>
+        </p:nvSpPr>
+        <p:spPr>
+          <a:xfrm>
+            <a:off x="4786604" y="3368351"/>
+            <a:ext cx="3918857" cy="3489649"/>
+          </a:xfrm>
+          <a:prstGeom prst="rect">
+            <a:avLst/>
+          </a:prstGeom>
+          <a:solidFill>
+            <a:schemeClr val="bg1"/>
+          </a:solidFill>
+          <a:ln>
+            <a:noFill/>
+          </a:ln>
+        </p:spPr>
+        <p:style>
+          <a:lnRef idx="2">
+            <a:schemeClr val="accent1">
+              <a:shade val="50000"/>
+            </a:schemeClr>
+          </a:lnRef>
+          <a:fillRef idx="1">
+            <a:schemeClr val="accent1"/>
+          </a:fillRef>
+          <a:effectRef idx="0">
+            <a:schemeClr val="accent1"/>
+          </a:effectRef>
+          <a:fontRef idx="minor">
+            <a:schemeClr val="lt1"/>
+          </a:fontRef>
+        </p:style>
+        <p:txBody>
+          <a:bodyPr rtlCol="0" anchor="ctr"/>
+          <a:lstStyle/>
+          <a:p>
+            <a:pPr algn="ctr"/>
+            <a:endParaRPr lang="en-US"/>
+          </a:p>
+        </p:txBody>
+      </p:sp>
     </p:spTree>
     <p:extLst>
       <p:ext uri="{BB962C8B-B14F-4D97-AF65-F5344CB8AC3E}">
@@ -4662,14 +4927,85 @@
   <p:timing>
     <p:tnLst>
       <p:par>
-        <p:cTn id="1" dur="indefinite" restart="never" nodeType="tmRoot"/>
+        <p:cTn id="1" dur="indefinite" restart="never" nodeType="tmRoot">
+          <p:childTnLst>
+            <p:seq concurrent="1" nextAc="seek">
+              <p:cTn id="2" dur="indefinite" nodeType="mainSeq">
+                <p:childTnLst>
+                  <p:par>
+                    <p:cTn id="3" fill="hold">
+                      <p:stCondLst>
+                        <p:cond delay="indefinite"/>
+                      </p:stCondLst>
+                      <p:childTnLst>
+                        <p:par>
+                          <p:cTn id="4" fill="hold">
+                            <p:stCondLst>
+                              <p:cond delay="0"/>
+                            </p:stCondLst>
+                            <p:childTnLst>
+                              <p:par>
+                                <p:cTn id="5" presetID="1" presetClass="exit" presetSubtype="0" fill="hold" grpId="0" nodeType="clickEffect">
+                                  <p:stCondLst>
+                                    <p:cond delay="0"/>
+                                  </p:stCondLst>
+                                  <p:childTnLst>
+                                    <p:set>
+                                      <p:cBhvr>
+                                        <p:cTn id="6" dur="1" fill="hold">
+                                          <p:stCondLst>
+                                            <p:cond delay="0"/>
+                                          </p:stCondLst>
+                                        </p:cTn>
+                                        <p:tgtEl>
+                                          <p:spTgt spid="6"/>
+                                        </p:tgtEl>
+                                        <p:attrNameLst>
+                                          <p:attrName>style.visibility</p:attrName>
+                                        </p:attrNameLst>
+                                      </p:cBhvr>
+                                      <p:to>
+                                        <p:strVal val="hidden"/>
+                                      </p:to>
+                                    </p:set>
+                                  </p:childTnLst>
+                                </p:cTn>
+                              </p:par>
+                            </p:childTnLst>
+                          </p:cTn>
+                        </p:par>
+                      </p:childTnLst>
+                    </p:cTn>
+                  </p:par>
+                </p:childTnLst>
+              </p:cTn>
+              <p:prevCondLst>
+                <p:cond evt="onPrev" delay="0">
+                  <p:tgtEl>
+                    <p:sldTgt/>
+                  </p:tgtEl>
+                </p:cond>
+              </p:prevCondLst>
+              <p:nextCondLst>
+                <p:cond evt="onNext" delay="0">
+                  <p:tgtEl>
+                    <p:sldTgt/>
+                  </p:tgtEl>
+                </p:cond>
+              </p:nextCondLst>
+            </p:seq>
+          </p:childTnLst>
+        </p:cTn>
       </p:par>
     </p:tnLst>
+    <p:bldLst>
+      <p:bldP spid="6" grpId="0" animBg="1"/>
+    </p:bldLst>
   </p:timing>
 </p:sld>
 </file>
 
-<file path=ppt/slides/slide5.xml><?xml version="1.0" encoding="utf-8"?>
+<file path=ppt/slides/slide6.xml><?xml version="1.0" encoding="utf-8"?>
 <p:sld xmlns:a="http://schemas.openxmlformats.org/drawingml/2006/main" xmlns:r="http://schemas.openxmlformats.org/officeDocument/2006/relationships" xmlns:p="http://schemas.openxmlformats.org/presentationml/2006/main">
   <p:cSld>
     <p:spTree>
@@ -4810,6 +5146,52 @@
           </a:prstGeom>
         </p:spPr>
       </p:pic>
+      <p:sp>
+        <p:nvSpPr>
+          <p:cNvPr id="7" name="Rectangle 6"/>
+          <p:cNvSpPr/>
+          <p:nvPr/>
+        </p:nvSpPr>
+        <p:spPr>
+          <a:xfrm>
+            <a:off x="4659068" y="3508310"/>
+            <a:ext cx="4484932" cy="3349690"/>
+          </a:xfrm>
+          <a:prstGeom prst="rect">
+            <a:avLst/>
+          </a:prstGeom>
+          <a:solidFill>
+            <a:schemeClr val="bg1"/>
+          </a:solidFill>
+          <a:ln>
+            <a:noFill/>
+          </a:ln>
+        </p:spPr>
+        <p:style>
+          <a:lnRef idx="2">
+            <a:schemeClr val="accent1">
+              <a:shade val="50000"/>
+            </a:schemeClr>
+          </a:lnRef>
+          <a:fillRef idx="1">
+            <a:schemeClr val="accent1"/>
+          </a:fillRef>
+          <a:effectRef idx="0">
+            <a:schemeClr val="accent1"/>
+          </a:effectRef>
+          <a:fontRef idx="minor">
+            <a:schemeClr val="lt1"/>
+          </a:fontRef>
+        </p:style>
+        <p:txBody>
+          <a:bodyPr rtlCol="0" anchor="ctr"/>
+          <a:lstStyle/>
+          <a:p>
+            <a:pPr algn="ctr"/>
+            <a:endParaRPr lang="en-US"/>
+          </a:p>
+        </p:txBody>
+      </p:sp>
     </p:spTree>
     <p:extLst>
       <p:ext uri="{BB962C8B-B14F-4D97-AF65-F5344CB8AC3E}">
@@ -4823,14 +5205,85 @@
   <p:timing>
     <p:tnLst>
       <p:par>
-        <p:cTn id="1" dur="indefinite" restart="never" nodeType="tmRoot"/>
+        <p:cTn id="1" dur="indefinite" restart="never" nodeType="tmRoot">
+          <p:childTnLst>
+            <p:seq concurrent="1" nextAc="seek">
+              <p:cTn id="2" dur="indefinite" nodeType="mainSeq">
+                <p:childTnLst>
+                  <p:par>
+                    <p:cTn id="3" fill="hold">
+                      <p:stCondLst>
+                        <p:cond delay="indefinite"/>
+                      </p:stCondLst>
+                      <p:childTnLst>
+                        <p:par>
+                          <p:cTn id="4" fill="hold">
+                            <p:stCondLst>
+                              <p:cond delay="0"/>
+                            </p:stCondLst>
+                            <p:childTnLst>
+                              <p:par>
+                                <p:cTn id="5" presetID="1" presetClass="exit" presetSubtype="0" fill="hold" grpId="0" nodeType="clickEffect">
+                                  <p:stCondLst>
+                                    <p:cond delay="0"/>
+                                  </p:stCondLst>
+                                  <p:childTnLst>
+                                    <p:set>
+                                      <p:cBhvr>
+                                        <p:cTn id="6" dur="1" fill="hold">
+                                          <p:stCondLst>
+                                            <p:cond delay="0"/>
+                                          </p:stCondLst>
+                                        </p:cTn>
+                                        <p:tgtEl>
+                                          <p:spTgt spid="7"/>
+                                        </p:tgtEl>
+                                        <p:attrNameLst>
+                                          <p:attrName>style.visibility</p:attrName>
+                                        </p:attrNameLst>
+                                      </p:cBhvr>
+                                      <p:to>
+                                        <p:strVal val="hidden"/>
+                                      </p:to>
+                                    </p:set>
+                                  </p:childTnLst>
+                                </p:cTn>
+                              </p:par>
+                            </p:childTnLst>
+                          </p:cTn>
+                        </p:par>
+                      </p:childTnLst>
+                    </p:cTn>
+                  </p:par>
+                </p:childTnLst>
+              </p:cTn>
+              <p:prevCondLst>
+                <p:cond evt="onPrev" delay="0">
+                  <p:tgtEl>
+                    <p:sldTgt/>
+                  </p:tgtEl>
+                </p:cond>
+              </p:prevCondLst>
+              <p:nextCondLst>
+                <p:cond evt="onNext" delay="0">
+                  <p:tgtEl>
+                    <p:sldTgt/>
+                  </p:tgtEl>
+                </p:cond>
+              </p:nextCondLst>
+            </p:seq>
+          </p:childTnLst>
+        </p:cTn>
       </p:par>
     </p:tnLst>
+    <p:bldLst>
+      <p:bldP spid="7" grpId="0" animBg="1"/>
+    </p:bldLst>
   </p:timing>
 </p:sld>
 </file>
 
-<file path=ppt/slides/slide6.xml><?xml version="1.0" encoding="utf-8"?>
+<file path=ppt/slides/slide7.xml><?xml version="1.0" encoding="utf-8"?>
 <p:sld xmlns:a="http://schemas.openxmlformats.org/drawingml/2006/main" xmlns:r="http://schemas.openxmlformats.org/officeDocument/2006/relationships" xmlns:p="http://schemas.openxmlformats.org/presentationml/2006/main">
   <p:cSld>
     <p:spTree>
@@ -4971,6 +5424,52 @@
           </a:prstGeom>
         </p:spPr>
       </p:pic>
+      <p:sp>
+        <p:nvSpPr>
+          <p:cNvPr id="6" name="Rectangle 5"/>
+          <p:cNvSpPr/>
+          <p:nvPr/>
+        </p:nvSpPr>
+        <p:spPr>
+          <a:xfrm>
+            <a:off x="5094023" y="2648473"/>
+            <a:ext cx="1801299" cy="2072818"/>
+          </a:xfrm>
+          <a:prstGeom prst="rect">
+            <a:avLst/>
+          </a:prstGeom>
+          <a:solidFill>
+            <a:schemeClr val="bg1"/>
+          </a:solidFill>
+          <a:ln>
+            <a:noFill/>
+          </a:ln>
+        </p:spPr>
+        <p:style>
+          <a:lnRef idx="2">
+            <a:schemeClr val="accent1">
+              <a:shade val="50000"/>
+            </a:schemeClr>
+          </a:lnRef>
+          <a:fillRef idx="1">
+            <a:schemeClr val="accent1"/>
+          </a:fillRef>
+          <a:effectRef idx="0">
+            <a:schemeClr val="accent1"/>
+          </a:effectRef>
+          <a:fontRef idx="minor">
+            <a:schemeClr val="lt1"/>
+          </a:fontRef>
+        </p:style>
+        <p:txBody>
+          <a:bodyPr rtlCol="0" anchor="ctr"/>
+          <a:lstStyle/>
+          <a:p>
+            <a:pPr algn="ctr"/>
+            <a:endParaRPr lang="en-US"/>
+          </a:p>
+        </p:txBody>
+      </p:sp>
     </p:spTree>
     <p:extLst>
       <p:ext uri="{BB962C8B-B14F-4D97-AF65-F5344CB8AC3E}">
@@ -4984,14 +5483,85 @@
   <p:timing>
     <p:tnLst>
       <p:par>
-        <p:cTn id="1" dur="indefinite" restart="never" nodeType="tmRoot"/>
+        <p:cTn id="1" dur="indefinite" restart="never" nodeType="tmRoot">
+          <p:childTnLst>
+            <p:seq concurrent="1" nextAc="seek">
+              <p:cTn id="2" dur="indefinite" nodeType="mainSeq">
+                <p:childTnLst>
+                  <p:par>
+                    <p:cTn id="3" fill="hold">
+                      <p:stCondLst>
+                        <p:cond delay="indefinite"/>
+                      </p:stCondLst>
+                      <p:childTnLst>
+                        <p:par>
+                          <p:cTn id="4" fill="hold">
+                            <p:stCondLst>
+                              <p:cond delay="0"/>
+                            </p:stCondLst>
+                            <p:childTnLst>
+                              <p:par>
+                                <p:cTn id="5" presetID="1" presetClass="exit" presetSubtype="0" fill="hold" grpId="0" nodeType="clickEffect">
+                                  <p:stCondLst>
+                                    <p:cond delay="0"/>
+                                  </p:stCondLst>
+                                  <p:childTnLst>
+                                    <p:set>
+                                      <p:cBhvr>
+                                        <p:cTn id="6" dur="1" fill="hold">
+                                          <p:stCondLst>
+                                            <p:cond delay="0"/>
+                                          </p:stCondLst>
+                                        </p:cTn>
+                                        <p:tgtEl>
+                                          <p:spTgt spid="6"/>
+                                        </p:tgtEl>
+                                        <p:attrNameLst>
+                                          <p:attrName>style.visibility</p:attrName>
+                                        </p:attrNameLst>
+                                      </p:cBhvr>
+                                      <p:to>
+                                        <p:strVal val="hidden"/>
+                                      </p:to>
+                                    </p:set>
+                                  </p:childTnLst>
+                                </p:cTn>
+                              </p:par>
+                            </p:childTnLst>
+                          </p:cTn>
+                        </p:par>
+                      </p:childTnLst>
+                    </p:cTn>
+                  </p:par>
+                </p:childTnLst>
+              </p:cTn>
+              <p:prevCondLst>
+                <p:cond evt="onPrev" delay="0">
+                  <p:tgtEl>
+                    <p:sldTgt/>
+                  </p:tgtEl>
+                </p:cond>
+              </p:prevCondLst>
+              <p:nextCondLst>
+                <p:cond evt="onNext" delay="0">
+                  <p:tgtEl>
+                    <p:sldTgt/>
+                  </p:tgtEl>
+                </p:cond>
+              </p:nextCondLst>
+            </p:seq>
+          </p:childTnLst>
+        </p:cTn>
       </p:par>
     </p:tnLst>
+    <p:bldLst>
+      <p:bldP spid="6" grpId="0" animBg="1"/>
+    </p:bldLst>
   </p:timing>
 </p:sld>
 </file>
 
-<file path=ppt/slides/slide7.xml><?xml version="1.0" encoding="utf-8"?>
+<file path=ppt/slides/slide8.xml><?xml version="1.0" encoding="utf-8"?>
 <p:sld xmlns:a="http://schemas.openxmlformats.org/drawingml/2006/main" xmlns:r="http://schemas.openxmlformats.org/officeDocument/2006/relationships" xmlns:p="http://schemas.openxmlformats.org/presentationml/2006/main">
   <p:cSld>
     <p:spTree>
